--- a/reports/Presentation and poster/Data science presentation.pptx
+++ b/reports/Presentation and poster/Data science presentation.pptx
@@ -10,6 +10,11 @@
     <p:sldId id="258" r:id="rId4"/>
     <p:sldId id="259" r:id="rId5"/>
     <p:sldId id="260" r:id="rId6"/>
+    <p:sldId id="261" r:id="rId7"/>
+    <p:sldId id="262" r:id="rId8"/>
+    <p:sldId id="263" r:id="rId9"/>
+    <p:sldId id="264" r:id="rId10"/>
+    <p:sldId id="265" r:id="rId11"/>
   </p:sldIdLst>
   <p:sldSz cx="12192000" cy="6858000"/>
   <p:notesSz cx="6858000" cy="9144000"/>
@@ -108,6 +113,11 @@
       </a:defRPr>
     </a:lvl9pPr>
   </p:defaultTextStyle>
+  <p:extLst>
+    <p:ext uri="{EFAFB233-063F-42B5-8137-9DF3F51BA10A}">
+      <p15:sldGuideLst xmlns:p15="http://schemas.microsoft.com/office/powerpoint/2012/main"/>
+    </p:ext>
+  </p:extLst>
 </p:presentation>
 </file>
 
@@ -153,10 +163,9 @@
           </a:lstStyle>
           <a:p>
             <a:r>
-              <a:rPr lang="en-US" smtClean="0"/>
+              <a:rPr lang="en-US"/>
               <a:t>Click to edit Master title style</a:t>
             </a:r>
-            <a:endParaRPr lang="en-US"/>
           </a:p>
         </p:txBody>
       </p:sp>
@@ -218,10 +227,9 @@
           </a:lstStyle>
           <a:p>
             <a:r>
-              <a:rPr lang="en-US" smtClean="0"/>
+              <a:rPr lang="en-US"/>
               <a:t>Click to edit Master subtitle style</a:t>
             </a:r>
-            <a:endParaRPr lang="en-US"/>
           </a:p>
         </p:txBody>
       </p:sp>
@@ -336,10 +344,9 @@
           <a:lstStyle/>
           <a:p>
             <a:r>
-              <a:rPr lang="en-US" smtClean="0"/>
+              <a:rPr lang="en-US"/>
               <a:t>Click to edit Master title style</a:t>
             </a:r>
-            <a:endParaRPr lang="en-US"/>
           </a:p>
         </p:txBody>
       </p:sp>
@@ -360,38 +367,37 @@
           <a:p>
             <a:pPr lvl="0"/>
             <a:r>
-              <a:rPr lang="en-US" smtClean="0"/>
+              <a:rPr lang="en-US"/>
               <a:t>Click to edit Master text styles</a:t>
             </a:r>
           </a:p>
           <a:p>
             <a:pPr lvl="1"/>
             <a:r>
-              <a:rPr lang="en-US" smtClean="0"/>
+              <a:rPr lang="en-US"/>
               <a:t>Second level</a:t>
             </a:r>
           </a:p>
           <a:p>
             <a:pPr lvl="2"/>
             <a:r>
-              <a:rPr lang="en-US" smtClean="0"/>
+              <a:rPr lang="en-US"/>
               <a:t>Third level</a:t>
             </a:r>
           </a:p>
           <a:p>
             <a:pPr lvl="3"/>
             <a:r>
-              <a:rPr lang="en-US" smtClean="0"/>
+              <a:rPr lang="en-US"/>
               <a:t>Fourth level</a:t>
             </a:r>
           </a:p>
           <a:p>
             <a:pPr lvl="4"/>
             <a:r>
-              <a:rPr lang="en-US" smtClean="0"/>
+              <a:rPr lang="en-US"/>
               <a:t>Fifth level</a:t>
             </a:r>
-            <a:endParaRPr lang="en-US"/>
           </a:p>
         </p:txBody>
       </p:sp>
@@ -511,10 +517,9 @@
           <a:lstStyle/>
           <a:p>
             <a:r>
-              <a:rPr lang="en-US" smtClean="0"/>
+              <a:rPr lang="en-US"/>
               <a:t>Click to edit Master title style</a:t>
             </a:r>
-            <a:endParaRPr lang="en-US"/>
           </a:p>
         </p:txBody>
       </p:sp>
@@ -540,38 +545,37 @@
           <a:p>
             <a:pPr lvl="0"/>
             <a:r>
-              <a:rPr lang="en-US" smtClean="0"/>
+              <a:rPr lang="en-US"/>
               <a:t>Click to edit Master text styles</a:t>
             </a:r>
           </a:p>
           <a:p>
             <a:pPr lvl="1"/>
             <a:r>
-              <a:rPr lang="en-US" smtClean="0"/>
+              <a:rPr lang="en-US"/>
               <a:t>Second level</a:t>
             </a:r>
           </a:p>
           <a:p>
             <a:pPr lvl="2"/>
             <a:r>
-              <a:rPr lang="en-US" smtClean="0"/>
+              <a:rPr lang="en-US"/>
               <a:t>Third level</a:t>
             </a:r>
           </a:p>
           <a:p>
             <a:pPr lvl="3"/>
             <a:r>
-              <a:rPr lang="en-US" smtClean="0"/>
+              <a:rPr lang="en-US"/>
               <a:t>Fourth level</a:t>
             </a:r>
           </a:p>
           <a:p>
             <a:pPr lvl="4"/>
             <a:r>
-              <a:rPr lang="en-US" smtClean="0"/>
+              <a:rPr lang="en-US"/>
               <a:t>Fifth level</a:t>
             </a:r>
-            <a:endParaRPr lang="en-US"/>
           </a:p>
         </p:txBody>
       </p:sp>
@@ -686,10 +690,9 @@
           <a:lstStyle/>
           <a:p>
             <a:r>
-              <a:rPr lang="en-US" smtClean="0"/>
+              <a:rPr lang="en-US"/>
               <a:t>Click to edit Master title style</a:t>
             </a:r>
-            <a:endParaRPr lang="en-US"/>
           </a:p>
         </p:txBody>
       </p:sp>
@@ -710,38 +713,37 @@
           <a:p>
             <a:pPr lvl="0"/>
             <a:r>
-              <a:rPr lang="en-US" smtClean="0"/>
+              <a:rPr lang="en-US"/>
               <a:t>Click to edit Master text styles</a:t>
             </a:r>
           </a:p>
           <a:p>
             <a:pPr lvl="1"/>
             <a:r>
-              <a:rPr lang="en-US" smtClean="0"/>
+              <a:rPr lang="en-US"/>
               <a:t>Second level</a:t>
             </a:r>
           </a:p>
           <a:p>
             <a:pPr lvl="2"/>
             <a:r>
-              <a:rPr lang="en-US" smtClean="0"/>
+              <a:rPr lang="en-US"/>
               <a:t>Third level</a:t>
             </a:r>
           </a:p>
           <a:p>
             <a:pPr lvl="3"/>
             <a:r>
-              <a:rPr lang="en-US" smtClean="0"/>
+              <a:rPr lang="en-US"/>
               <a:t>Fourth level</a:t>
             </a:r>
           </a:p>
           <a:p>
             <a:pPr lvl="4"/>
             <a:r>
-              <a:rPr lang="en-US" smtClean="0"/>
+              <a:rPr lang="en-US"/>
               <a:t>Fifth level</a:t>
             </a:r>
-            <a:endParaRPr lang="en-US"/>
           </a:p>
         </p:txBody>
       </p:sp>
@@ -865,10 +867,9 @@
           </a:lstStyle>
           <a:p>
             <a:r>
-              <a:rPr lang="en-US" smtClean="0"/>
+              <a:rPr lang="en-US"/>
               <a:t>Click to edit Master title style</a:t>
             </a:r>
-            <a:endParaRPr lang="en-US"/>
           </a:p>
         </p:txBody>
       </p:sp>
@@ -985,7 +986,7 @@
           <a:p>
             <a:pPr lvl="0"/>
             <a:r>
-              <a:rPr lang="en-US" smtClean="0"/>
+              <a:rPr lang="en-US"/>
               <a:t>Click to edit Master text styles</a:t>
             </a:r>
           </a:p>
@@ -1102,10 +1103,9 @@
           <a:lstStyle/>
           <a:p>
             <a:r>
-              <a:rPr lang="en-US" smtClean="0"/>
+              <a:rPr lang="en-US"/>
               <a:t>Click to edit Master title style</a:t>
             </a:r>
-            <a:endParaRPr lang="en-US"/>
           </a:p>
         </p:txBody>
       </p:sp>
@@ -1131,38 +1131,37 @@
           <a:p>
             <a:pPr lvl="0"/>
             <a:r>
-              <a:rPr lang="en-US" smtClean="0"/>
+              <a:rPr lang="en-US"/>
               <a:t>Click to edit Master text styles</a:t>
             </a:r>
           </a:p>
           <a:p>
             <a:pPr lvl="1"/>
             <a:r>
-              <a:rPr lang="en-US" smtClean="0"/>
+              <a:rPr lang="en-US"/>
               <a:t>Second level</a:t>
             </a:r>
           </a:p>
           <a:p>
             <a:pPr lvl="2"/>
             <a:r>
-              <a:rPr lang="en-US" smtClean="0"/>
+              <a:rPr lang="en-US"/>
               <a:t>Third level</a:t>
             </a:r>
           </a:p>
           <a:p>
             <a:pPr lvl="3"/>
             <a:r>
-              <a:rPr lang="en-US" smtClean="0"/>
+              <a:rPr lang="en-US"/>
               <a:t>Fourth level</a:t>
             </a:r>
           </a:p>
           <a:p>
             <a:pPr lvl="4"/>
             <a:r>
-              <a:rPr lang="en-US" smtClean="0"/>
+              <a:rPr lang="en-US"/>
               <a:t>Fifth level</a:t>
             </a:r>
-            <a:endParaRPr lang="en-US"/>
           </a:p>
         </p:txBody>
       </p:sp>
@@ -1188,38 +1187,37 @@
           <a:p>
             <a:pPr lvl="0"/>
             <a:r>
-              <a:rPr lang="en-US" smtClean="0"/>
+              <a:rPr lang="en-US"/>
               <a:t>Click to edit Master text styles</a:t>
             </a:r>
           </a:p>
           <a:p>
             <a:pPr lvl="1"/>
             <a:r>
-              <a:rPr lang="en-US" smtClean="0"/>
+              <a:rPr lang="en-US"/>
               <a:t>Second level</a:t>
             </a:r>
           </a:p>
           <a:p>
             <a:pPr lvl="2"/>
             <a:r>
-              <a:rPr lang="en-US" smtClean="0"/>
+              <a:rPr lang="en-US"/>
               <a:t>Third level</a:t>
             </a:r>
           </a:p>
           <a:p>
             <a:pPr lvl="3"/>
             <a:r>
-              <a:rPr lang="en-US" smtClean="0"/>
+              <a:rPr lang="en-US"/>
               <a:t>Fourth level</a:t>
             </a:r>
           </a:p>
           <a:p>
             <a:pPr lvl="4"/>
             <a:r>
-              <a:rPr lang="en-US" smtClean="0"/>
+              <a:rPr lang="en-US"/>
               <a:t>Fifth level</a:t>
             </a:r>
-            <a:endParaRPr lang="en-US"/>
           </a:p>
         </p:txBody>
       </p:sp>
@@ -1339,10 +1337,9 @@
           <a:lstStyle/>
           <a:p>
             <a:r>
-              <a:rPr lang="en-US" smtClean="0"/>
+              <a:rPr lang="en-US"/>
               <a:t>Click to edit Master title style</a:t>
             </a:r>
-            <a:endParaRPr lang="en-US"/>
           </a:p>
         </p:txBody>
       </p:sp>
@@ -1405,7 +1402,7 @@
           <a:p>
             <a:pPr lvl="0"/>
             <a:r>
-              <a:rPr lang="en-US" smtClean="0"/>
+              <a:rPr lang="en-US"/>
               <a:t>Click to edit Master text styles</a:t>
             </a:r>
           </a:p>
@@ -1433,38 +1430,37 @@
           <a:p>
             <a:pPr lvl="0"/>
             <a:r>
-              <a:rPr lang="en-US" smtClean="0"/>
+              <a:rPr lang="en-US"/>
               <a:t>Click to edit Master text styles</a:t>
             </a:r>
           </a:p>
           <a:p>
             <a:pPr lvl="1"/>
             <a:r>
-              <a:rPr lang="en-US" smtClean="0"/>
+              <a:rPr lang="en-US"/>
               <a:t>Second level</a:t>
             </a:r>
           </a:p>
           <a:p>
             <a:pPr lvl="2"/>
             <a:r>
-              <a:rPr lang="en-US" smtClean="0"/>
+              <a:rPr lang="en-US"/>
               <a:t>Third level</a:t>
             </a:r>
           </a:p>
           <a:p>
             <a:pPr lvl="3"/>
             <a:r>
-              <a:rPr lang="en-US" smtClean="0"/>
+              <a:rPr lang="en-US"/>
               <a:t>Fourth level</a:t>
             </a:r>
           </a:p>
           <a:p>
             <a:pPr lvl="4"/>
             <a:r>
-              <a:rPr lang="en-US" smtClean="0"/>
+              <a:rPr lang="en-US"/>
               <a:t>Fifth level</a:t>
             </a:r>
-            <a:endParaRPr lang="en-US"/>
           </a:p>
         </p:txBody>
       </p:sp>
@@ -1527,7 +1523,7 @@
           <a:p>
             <a:pPr lvl="0"/>
             <a:r>
-              <a:rPr lang="en-US" smtClean="0"/>
+              <a:rPr lang="en-US"/>
               <a:t>Click to edit Master text styles</a:t>
             </a:r>
           </a:p>
@@ -1555,38 +1551,37 @@
           <a:p>
             <a:pPr lvl="0"/>
             <a:r>
-              <a:rPr lang="en-US" smtClean="0"/>
+              <a:rPr lang="en-US"/>
               <a:t>Click to edit Master text styles</a:t>
             </a:r>
           </a:p>
           <a:p>
             <a:pPr lvl="1"/>
             <a:r>
-              <a:rPr lang="en-US" smtClean="0"/>
+              <a:rPr lang="en-US"/>
               <a:t>Second level</a:t>
             </a:r>
           </a:p>
           <a:p>
             <a:pPr lvl="2"/>
             <a:r>
-              <a:rPr lang="en-US" smtClean="0"/>
+              <a:rPr lang="en-US"/>
               <a:t>Third level</a:t>
             </a:r>
           </a:p>
           <a:p>
             <a:pPr lvl="3"/>
             <a:r>
-              <a:rPr lang="en-US" smtClean="0"/>
+              <a:rPr lang="en-US"/>
               <a:t>Fourth level</a:t>
             </a:r>
           </a:p>
           <a:p>
             <a:pPr lvl="4"/>
             <a:r>
-              <a:rPr lang="en-US" smtClean="0"/>
+              <a:rPr lang="en-US"/>
               <a:t>Fifth level</a:t>
             </a:r>
-            <a:endParaRPr lang="en-US"/>
           </a:p>
         </p:txBody>
       </p:sp>
@@ -1701,10 +1696,9 @@
           <a:lstStyle/>
           <a:p>
             <a:r>
-              <a:rPr lang="en-US" smtClean="0"/>
+              <a:rPr lang="en-US"/>
               <a:t>Click to edit Master title style</a:t>
             </a:r>
-            <a:endParaRPr lang="en-US"/>
           </a:p>
         </p:txBody>
       </p:sp>
@@ -1923,10 +1917,9 @@
           </a:lstStyle>
           <a:p>
             <a:r>
-              <a:rPr lang="en-US" smtClean="0"/>
+              <a:rPr lang="en-US"/>
               <a:t>Click to edit Master title style</a:t>
             </a:r>
-            <a:endParaRPr lang="en-US"/>
           </a:p>
         </p:txBody>
       </p:sp>
@@ -1980,38 +1973,37 @@
           <a:p>
             <a:pPr lvl="0"/>
             <a:r>
-              <a:rPr lang="en-US" smtClean="0"/>
+              <a:rPr lang="en-US"/>
               <a:t>Click to edit Master text styles</a:t>
             </a:r>
           </a:p>
           <a:p>
             <a:pPr lvl="1"/>
             <a:r>
-              <a:rPr lang="en-US" smtClean="0"/>
+              <a:rPr lang="en-US"/>
               <a:t>Second level</a:t>
             </a:r>
           </a:p>
           <a:p>
             <a:pPr lvl="2"/>
             <a:r>
-              <a:rPr lang="en-US" smtClean="0"/>
+              <a:rPr lang="en-US"/>
               <a:t>Third level</a:t>
             </a:r>
           </a:p>
           <a:p>
             <a:pPr lvl="3"/>
             <a:r>
-              <a:rPr lang="en-US" smtClean="0"/>
+              <a:rPr lang="en-US"/>
               <a:t>Fourth level</a:t>
             </a:r>
           </a:p>
           <a:p>
             <a:pPr lvl="4"/>
             <a:r>
-              <a:rPr lang="en-US" smtClean="0"/>
+              <a:rPr lang="en-US"/>
               <a:t>Fifth level</a:t>
             </a:r>
-            <a:endParaRPr lang="en-US"/>
           </a:p>
         </p:txBody>
       </p:sp>
@@ -2074,7 +2066,7 @@
           <a:p>
             <a:pPr lvl="0"/>
             <a:r>
-              <a:rPr lang="en-US" smtClean="0"/>
+              <a:rPr lang="en-US"/>
               <a:t>Click to edit Master text styles</a:t>
             </a:r>
           </a:p>
@@ -2200,10 +2192,9 @@
           </a:lstStyle>
           <a:p>
             <a:r>
-              <a:rPr lang="en-US" smtClean="0"/>
+              <a:rPr lang="en-US"/>
               <a:t>Click to edit Master title style</a:t>
             </a:r>
-            <a:endParaRPr lang="en-US"/>
           </a:p>
         </p:txBody>
       </p:sp>
@@ -2327,7 +2318,7 @@
           <a:p>
             <a:pPr lvl="0"/>
             <a:r>
-              <a:rPr lang="en-US" smtClean="0"/>
+              <a:rPr lang="en-US"/>
               <a:t>Click to edit Master text styles</a:t>
             </a:r>
           </a:p>
@@ -2459,10 +2450,9 @@
           <a:lstStyle/>
           <a:p>
             <a:r>
-              <a:rPr lang="en-US" smtClean="0"/>
+              <a:rPr lang="en-US"/>
               <a:t>Click to edit Master title style</a:t>
             </a:r>
-            <a:endParaRPr lang="en-US"/>
           </a:p>
         </p:txBody>
       </p:sp>
@@ -2493,38 +2483,37 @@
           <a:p>
             <a:pPr lvl="0"/>
             <a:r>
-              <a:rPr lang="en-US" smtClean="0"/>
+              <a:rPr lang="en-US"/>
               <a:t>Click to edit Master text styles</a:t>
             </a:r>
           </a:p>
           <a:p>
             <a:pPr lvl="1"/>
             <a:r>
-              <a:rPr lang="en-US" smtClean="0"/>
+              <a:rPr lang="en-US"/>
               <a:t>Second level</a:t>
             </a:r>
           </a:p>
           <a:p>
             <a:pPr lvl="2"/>
             <a:r>
-              <a:rPr lang="en-US" smtClean="0"/>
+              <a:rPr lang="en-US"/>
               <a:t>Third level</a:t>
             </a:r>
           </a:p>
           <a:p>
             <a:pPr lvl="3"/>
             <a:r>
-              <a:rPr lang="en-US" smtClean="0"/>
+              <a:rPr lang="en-US"/>
               <a:t>Fourth level</a:t>
             </a:r>
           </a:p>
           <a:p>
             <a:pPr lvl="4"/>
             <a:r>
-              <a:rPr lang="en-US" smtClean="0"/>
+              <a:rPr lang="en-US"/>
               <a:t>Fifth level</a:t>
             </a:r>
-            <a:endParaRPr lang="en-US"/>
           </a:p>
         </p:txBody>
       </p:sp>
@@ -2984,10 +2973,9 @@
           <a:lstStyle/>
           <a:p>
             <a:r>
-              <a:rPr lang="en-US" dirty="0" smtClean="0"/>
+              <a:rPr lang="en-US" dirty="0"/>
               <a:t>Data Science</a:t>
             </a:r>
-            <a:endParaRPr lang="en-US" dirty="0"/>
           </a:p>
         </p:txBody>
       </p:sp>
@@ -3007,16 +2995,15 @@
           <a:lstStyle/>
           <a:p>
             <a:r>
-              <a:rPr lang="en-US" dirty="0" smtClean="0"/>
+              <a:rPr lang="en-US" dirty="0"/>
               <a:t>By Ahmed Mohsen Ahmed</a:t>
             </a:r>
           </a:p>
           <a:p>
             <a:r>
-              <a:rPr lang="en-US" dirty="0" smtClean="0"/>
+              <a:rPr lang="en-US" dirty="0"/>
               <a:t>ID:202200061</a:t>
             </a:r>
-            <a:endParaRPr lang="en-US" dirty="0"/>
           </a:p>
         </p:txBody>
       </p:sp>
@@ -3024,6 +3011,90 @@
     <p:extLst>
       <p:ext uri="{BB962C8B-B14F-4D97-AF65-F5344CB8AC3E}">
         <p14:creationId xmlns:p14="http://schemas.microsoft.com/office/powerpoint/2010/main" val="3986567387"/>
+      </p:ext>
+    </p:extLst>
+  </p:cSld>
+  <p:clrMapOvr>
+    <a:masterClrMapping/>
+  </p:clrMapOvr>
+</p:sld>
+</file>
+
+<file path=ppt/slides/slide10.xml><?xml version="1.0" encoding="utf-8"?>
+<p:sld xmlns:a="http://schemas.openxmlformats.org/drawingml/2006/main" xmlns:r="http://schemas.openxmlformats.org/officeDocument/2006/relationships" xmlns:p="http://schemas.openxmlformats.org/presentationml/2006/main">
+  <p:cSld>
+    <p:bg>
+      <p:bgPr>
+        <a:solidFill>
+          <a:schemeClr val="bg1"/>
+        </a:solidFill>
+        <a:effectLst/>
+      </p:bgPr>
+    </p:bg>
+    <p:spTree>
+      <p:nvGrpSpPr>
+        <p:cNvPr id="1" name=""/>
+        <p:cNvGrpSpPr/>
+        <p:nvPr/>
+      </p:nvGrpSpPr>
+      <p:grpSpPr>
+        <a:xfrm>
+          <a:off x="0" y="0"/>
+          <a:ext cx="0" cy="0"/>
+          <a:chOff x="0" y="0"/>
+          <a:chExt cx="0" cy="0"/>
+        </a:xfrm>
+      </p:grpSpPr>
+      <p:pic>
+        <p:nvPicPr>
+          <p:cNvPr id="1026" name="Picture 2" descr="Thank You Images - Free Download on Freepik">
+            <a:extLst>
+              <a:ext uri="{FF2B5EF4-FFF2-40B4-BE49-F238E27FC236}">
+                <a16:creationId xmlns:a16="http://schemas.microsoft.com/office/drawing/2014/main" id="{B59317F9-9689-894F-35D4-881F247D66FA}"/>
+              </a:ext>
+            </a:extLst>
+          </p:cNvPr>
+          <p:cNvPicPr>
+            <a:picLocks noChangeAspect="1" noChangeArrowheads="1"/>
+          </p:cNvPicPr>
+          <p:nvPr/>
+        </p:nvPicPr>
+        <p:blipFill>
+          <a:blip r:embed="rId2">
+            <a:extLst>
+              <a:ext uri="{28A0092B-C50C-407E-A947-70E740481C1C}">
+                <a14:useLocalDpi xmlns:a14="http://schemas.microsoft.com/office/drawing/2010/main" val="0"/>
+              </a:ext>
+            </a:extLst>
+          </a:blip>
+          <a:stretch>
+            <a:fillRect/>
+          </a:stretch>
+        </p:blipFill>
+        <p:spPr bwMode="auto">
+          <a:xfrm>
+            <a:off x="2158850" y="643466"/>
+            <a:ext cx="7874299" cy="5571067"/>
+          </a:xfrm>
+          <a:prstGeom prst="rect">
+            <a:avLst/>
+          </a:prstGeom>
+          <a:noFill/>
+          <a:extLst>
+            <a:ext uri="{909E8E84-426E-40DD-AFC4-6F175D3DCCD1}">
+              <a14:hiddenFill xmlns:a14="http://schemas.microsoft.com/office/drawing/2010/main">
+                <a:solidFill>
+                  <a:srgbClr val="FFFFFF"/>
+                </a:solidFill>
+              </a14:hiddenFill>
+            </a:ext>
+          </a:extLst>
+        </p:spPr>
+      </p:pic>
+    </p:spTree>
+    <p:extLst>
+      <p:ext uri="{BB962C8B-B14F-4D97-AF65-F5344CB8AC3E}">
+        <p14:creationId xmlns:p14="http://schemas.microsoft.com/office/powerpoint/2010/main" val="1564846007"/>
       </p:ext>
     </p:extLst>
   </p:cSld>
@@ -3067,42 +3138,38 @@
           <a:p>
             <a:r>
               <a:rPr lang="en-US" dirty="0"/>
-              <a:t>P</a:t>
-            </a:r>
-            <a:r>
-              <a:rPr lang="en-US" dirty="0" smtClean="0"/>
-              <a:t>roject goal</a:t>
-            </a:r>
+              <a:t>Project goal</a:t>
+            </a:r>
+          </a:p>
+        </p:txBody>
+      </p:sp>
+      <p:sp>
+        <p:nvSpPr>
+          <p:cNvPr id="3" name="Content Placeholder 2"/>
+          <p:cNvSpPr>
+            <a:spLocks noGrp="1"/>
+          </p:cNvSpPr>
+          <p:nvPr>
+            <p:ph idx="1"/>
+          </p:nvPr>
+        </p:nvSpPr>
+        <p:spPr/>
+        <p:txBody>
+          <a:bodyPr/>
+          <a:lstStyle/>
+          <a:p>
+            <a:r>
+              <a:rPr lang="en-US" dirty="0"/>
+              <a:t>Domain of project: Social Media Sentiment Analysis.</a:t>
+            </a:r>
+          </a:p>
+          <a:p>
             <a:endParaRPr lang="en-US" dirty="0"/>
           </a:p>
-        </p:txBody>
-      </p:sp>
-      <p:sp>
-        <p:nvSpPr>
-          <p:cNvPr id="3" name="Content Placeholder 2"/>
-          <p:cNvSpPr>
-            <a:spLocks noGrp="1"/>
-          </p:cNvSpPr>
-          <p:nvPr>
-            <p:ph idx="1"/>
-          </p:nvPr>
-        </p:nvSpPr>
-        <p:spPr/>
-        <p:txBody>
-          <a:bodyPr/>
-          <a:lstStyle/>
-          <a:p>
-            <a:r>
-              <a:rPr lang="en-US" dirty="0" smtClean="0"/>
-              <a:t>Domain of project: Social </a:t>
-            </a:r>
+          <a:p>
             <a:r>
               <a:rPr lang="en-US" dirty="0"/>
-              <a:t>Media Sentiment </a:t>
-            </a:r>
-            <a:r>
-              <a:rPr lang="en-US" dirty="0" smtClean="0"/>
-              <a:t>Analysis.</a:t>
+              <a:t>Media analysis is to gather comments of certain thing/topic and evaluate the emotions behind certain comments (if they are positive, negative, or neutral).</a:t>
             </a:r>
           </a:p>
           <a:p>
@@ -3110,31 +3177,17 @@
           </a:p>
           <a:p>
             <a:r>
-              <a:rPr lang="en-US" dirty="0" smtClean="0"/>
-              <a:t>Media analysis is to gather comments of certain thing/topic and evaluate the emotions behind certain comments (if they are positive, negative, or neutral).</a:t>
-            </a:r>
-          </a:p>
-          <a:p>
-            <a:endParaRPr lang="en-US" dirty="0"/>
-          </a:p>
-          <a:p>
-            <a:r>
-              <a:rPr lang="en-US" dirty="0" smtClean="0"/>
+              <a:rPr lang="en-US" dirty="0"/>
               <a:t>For this project we acquired our data from </a:t>
             </a:r>
             <a:r>
               <a:rPr lang="en-US" dirty="0" err="1"/>
-              <a:t>K</a:t>
-            </a:r>
-            <a:r>
-              <a:rPr lang="en-US" dirty="0" err="1" smtClean="0"/>
-              <a:t>aggle</a:t>
-            </a:r>
-            <a:r>
-              <a:rPr lang="en-US" dirty="0" smtClean="0"/>
+              <a:t>Kaggle</a:t>
+            </a:r>
+            <a:r>
+              <a:rPr lang="en-US" dirty="0"/>
               <a:t> and more data was scraped from Reddit r/2024Election.</a:t>
             </a:r>
-            <a:endParaRPr lang="en-US" dirty="0"/>
           </a:p>
           <a:p>
             <a:pPr marL="0" indent="0">
@@ -3190,10 +3243,9 @@
           <a:lstStyle/>
           <a:p>
             <a:r>
-              <a:rPr lang="en-US" dirty="0" smtClean="0"/>
+              <a:rPr lang="en-US" dirty="0"/>
               <a:t>Project Work</a:t>
             </a:r>
-            <a:endParaRPr lang="en-US" dirty="0"/>
           </a:p>
         </p:txBody>
       </p:sp>
@@ -3216,7 +3268,7 @@
               <a:buNone/>
             </a:pPr>
             <a:r>
-              <a:rPr lang="en-US" dirty="0" smtClean="0"/>
+              <a:rPr lang="en-US" dirty="0"/>
               <a:t>For this project our Aim is to solve three research questions</a:t>
             </a:r>
           </a:p>
@@ -3225,16 +3277,8 @@
               <a:buNone/>
             </a:pPr>
             <a:r>
-              <a:rPr lang="en-US" dirty="0" smtClean="0"/>
-              <a:t>1- Can we create </a:t>
-            </a:r>
-            <a:r>
               <a:rPr lang="en-US" dirty="0"/>
-              <a:t>an NLP model for predicting Sentiment values </a:t>
-            </a:r>
-            <a:r>
-              <a:rPr lang="en-US" dirty="0" smtClean="0"/>
-              <a:t>of comments?</a:t>
+              <a:t>1- Can we create an NLP model for predicting Sentiment values of comments?</a:t>
             </a:r>
           </a:p>
           <a:p>
@@ -3242,16 +3286,8 @@
               <a:buNone/>
             </a:pPr>
             <a:r>
-              <a:rPr lang="en-US" dirty="0" smtClean="0"/>
-              <a:t>2- Is </a:t>
-            </a:r>
-            <a:r>
               <a:rPr lang="en-US" dirty="0"/>
-              <a:t>there any correlation with comment length and Sentiment values</a:t>
-            </a:r>
-            <a:r>
-              <a:rPr lang="en-US" dirty="0" smtClean="0"/>
-              <a:t>?</a:t>
+              <a:t>2- Is there any correlation with comment length and Sentiment values?</a:t>
             </a:r>
           </a:p>
           <a:p>
@@ -3259,16 +3295,8 @@
               <a:buNone/>
             </a:pPr>
             <a:r>
-              <a:rPr lang="en-US" dirty="0" smtClean="0"/>
-              <a:t>3-</a:t>
-            </a:r>
-            <a:r>
               <a:rPr lang="en-US" dirty="0"/>
-              <a:t> Are there certain words that are common in positive or negative comments</a:t>
-            </a:r>
-            <a:r>
-              <a:rPr lang="en-US" dirty="0" smtClean="0"/>
-              <a:t>?</a:t>
+              <a:t>3- Are there certain words that are common in positive or negative comments?</a:t>
             </a:r>
           </a:p>
           <a:p>
@@ -3282,10 +3310,9 @@
               <a:buNone/>
             </a:pPr>
             <a:r>
-              <a:rPr lang="en-US" dirty="0" smtClean="0"/>
+              <a:rPr lang="en-US" dirty="0"/>
               <a:t>We give detailed explanation of each question as we have text outputs and graphs</a:t>
             </a:r>
-            <a:endParaRPr lang="en-US" dirty="0"/>
           </a:p>
         </p:txBody>
       </p:sp>
@@ -3299,13 +3326,6 @@
   <p:clrMapOvr>
     <a:masterClrMapping/>
   </p:clrMapOvr>
-  <p:timing>
-    <p:tnLst>
-      <p:par>
-        <p:cTn id="1" dur="indefinite" restart="never" nodeType="tmRoot"/>
-      </p:par>
-    </p:tnLst>
-  </p:timing>
 </p:sld>
 </file>
 
@@ -3342,10 +3362,9 @@
           <a:lstStyle/>
           <a:p>
             <a:r>
-              <a:rPr lang="en-US" dirty="0" smtClean="0"/>
+              <a:rPr lang="en-US" dirty="0"/>
               <a:t> Machine learning Model</a:t>
             </a:r>
-            <a:endParaRPr lang="en-US" dirty="0"/>
           </a:p>
         </p:txBody>
       </p:sp>
@@ -3369,13 +3388,13 @@
           <a:bodyPr/>
           <a:lstStyle/>
           <a:p>
-            <a:endParaRPr lang="en-US" dirty="0" smtClean="0"/>
-          </a:p>
-          <a:p>
             <a:endParaRPr lang="en-US" dirty="0"/>
           </a:p>
           <a:p>
-            <a:endParaRPr lang="en-US" dirty="0" smtClean="0"/>
+            <a:endParaRPr lang="en-US" dirty="0"/>
+          </a:p>
+          <a:p>
+            <a:endParaRPr lang="en-US" dirty="0"/>
           </a:p>
           <a:p>
             <a:endParaRPr lang="en-US" dirty="0"/>
@@ -3432,24 +3451,15 @@
           <a:lstStyle/>
           <a:p>
             <a:r>
-              <a:rPr lang="en-US" dirty="0" smtClean="0"/>
+              <a:rPr lang="en-US" dirty="0"/>
               <a:t>This Model being trained and test for its predictions.</a:t>
             </a:r>
           </a:p>
           <a:p>
             <a:r>
-              <a:rPr lang="en-US" dirty="0" smtClean="0"/>
-              <a:t>We have pipeline here to use two different types of models logistic Regression and </a:t>
-            </a:r>
-            <a:r>
               <a:rPr lang="en-US" dirty="0"/>
-              <a:t>Term frequency-inverse Document </a:t>
-            </a:r>
-            <a:r>
-              <a:rPr lang="en-US" dirty="0" smtClean="0"/>
-              <a:t>Frequency.</a:t>
-            </a:r>
-            <a:endParaRPr lang="en-US" dirty="0"/>
+              <a:t>We have pipeline here to use two different types of models logistic Regression and Term frequency-inverse Document Frequency.</a:t>
+            </a:r>
           </a:p>
         </p:txBody>
       </p:sp>
@@ -3463,13 +3473,6 @@
   <p:clrMapOvr>
     <a:masterClrMapping/>
   </p:clrMapOvr>
-  <p:timing>
-    <p:tnLst>
-      <p:par>
-        <p:cTn id="1" dur="indefinite" restart="never" nodeType="tmRoot"/>
-      </p:par>
-    </p:tnLst>
-  </p:timing>
 </p:sld>
 </file>
 
@@ -3506,29 +3509,89 @@
           <a:lstStyle/>
           <a:p>
             <a:r>
-              <a:rPr lang="en-US" dirty="0" smtClean="0"/>
+              <a:rPr lang="en-US" dirty="0"/>
               <a:t>Comment length vs Sentiment value</a:t>
             </a:r>
-            <a:endParaRPr lang="en-US" dirty="0"/>
-          </a:p>
-        </p:txBody>
-      </p:sp>
-      <p:sp>
-        <p:nvSpPr>
-          <p:cNvPr id="3" name="Content Placeholder 2"/>
-          <p:cNvSpPr>
-            <a:spLocks noGrp="1"/>
-          </p:cNvSpPr>
+          </a:p>
+        </p:txBody>
+      </p:sp>
+      <p:pic>
+        <p:nvPicPr>
+          <p:cNvPr id="5" name="Content Placeholder 4">
+            <a:extLst>
+              <a:ext uri="{FF2B5EF4-FFF2-40B4-BE49-F238E27FC236}">
+                <a16:creationId xmlns:a16="http://schemas.microsoft.com/office/drawing/2014/main" id="{E2AE6761-75A9-1FF8-E0CE-DE0219BEECF4}"/>
+              </a:ext>
+            </a:extLst>
+          </p:cNvPr>
+          <p:cNvPicPr>
+            <a:picLocks noGrp="1" noChangeAspect="1"/>
+          </p:cNvPicPr>
           <p:nvPr>
             <p:ph idx="1"/>
           </p:nvPr>
-        </p:nvSpPr>
-        <p:spPr/>
-        <p:txBody>
-          <a:bodyPr/>
-          <a:lstStyle/>
-          <a:p>
-            <a:endParaRPr lang="en-US"/>
+        </p:nvPicPr>
+        <p:blipFill>
+          <a:blip r:embed="rId2"/>
+          <a:stretch>
+            <a:fillRect/>
+          </a:stretch>
+        </p:blipFill>
+        <p:spPr>
+          <a:xfrm>
+            <a:off x="6681216" y="1509090"/>
+            <a:ext cx="5273040" cy="4379646"/>
+          </a:xfrm>
+        </p:spPr>
+      </p:pic>
+      <p:sp>
+        <p:nvSpPr>
+          <p:cNvPr id="6" name="TextBox 5">
+            <a:extLst>
+              <a:ext uri="{FF2B5EF4-FFF2-40B4-BE49-F238E27FC236}">
+                <a16:creationId xmlns:a16="http://schemas.microsoft.com/office/drawing/2014/main" id="{50ED18F2-8531-F566-18B8-4B964FA9828E}"/>
+              </a:ext>
+            </a:extLst>
+          </p:cNvPr>
+          <p:cNvSpPr txBox="1"/>
+          <p:nvPr/>
+        </p:nvSpPr>
+        <p:spPr>
+          <a:xfrm>
+            <a:off x="838200" y="1591386"/>
+            <a:ext cx="5273040" cy="1711366"/>
+          </a:xfrm>
+          <a:prstGeom prst="rect">
+            <a:avLst/>
+          </a:prstGeom>
+          <a:noFill/>
+        </p:spPr>
+        <p:txBody>
+          <a:bodyPr wrap="square" rtlCol="0">
+            <a:spAutoFit/>
+          </a:bodyPr>
+          <a:lstStyle/>
+          <a:p>
+            <a:pPr>
+              <a:lnSpc>
+                <a:spcPct val="150000"/>
+              </a:lnSpc>
+            </a:pPr>
+            <a:r>
+              <a:rPr lang="en-US" dirty="0"/>
+              <a:t>This heatmap that tells us that there is the correlation</a:t>
+            </a:r>
+          </a:p>
+          <a:p>
+            <a:pPr>
+              <a:lnSpc>
+                <a:spcPct val="150000"/>
+              </a:lnSpc>
+            </a:pPr>
+            <a:r>
+              <a:rPr lang="en-US" dirty="0"/>
+              <a:t>Is 0.4 which means there almost no correlation meaning long or short comments have no effect on sentimental value.</a:t>
+            </a:r>
           </a:p>
         </p:txBody>
       </p:sp>
@@ -3542,13 +3605,474 @@
   <p:clrMapOvr>
     <a:masterClrMapping/>
   </p:clrMapOvr>
-  <p:timing>
-    <p:tnLst>
-      <p:par>
-        <p:cTn id="1" dur="indefinite" restart="never" nodeType="tmRoot"/>
-      </p:par>
-    </p:tnLst>
-  </p:timing>
+</p:sld>
+</file>
+
+<file path=ppt/slides/slide6.xml><?xml version="1.0" encoding="utf-8"?>
+<p:sld xmlns:a="http://schemas.openxmlformats.org/drawingml/2006/main" xmlns:r="http://schemas.openxmlformats.org/officeDocument/2006/relationships" xmlns:p="http://schemas.openxmlformats.org/presentationml/2006/main">
+  <p:cSld>
+    <p:spTree>
+      <p:nvGrpSpPr>
+        <p:cNvPr id="1" name=""/>
+        <p:cNvGrpSpPr/>
+        <p:nvPr/>
+      </p:nvGrpSpPr>
+      <p:grpSpPr>
+        <a:xfrm>
+          <a:off x="0" y="0"/>
+          <a:ext cx="0" cy="0"/>
+          <a:chOff x="0" y="0"/>
+          <a:chExt cx="0" cy="0"/>
+        </a:xfrm>
+      </p:grpSpPr>
+      <p:sp>
+        <p:nvSpPr>
+          <p:cNvPr id="2" name="Title 1">
+            <a:extLst>
+              <a:ext uri="{FF2B5EF4-FFF2-40B4-BE49-F238E27FC236}">
+                <a16:creationId xmlns:a16="http://schemas.microsoft.com/office/drawing/2014/main" id="{BE8808CD-C9A4-6785-53DF-549CDA79AE12}"/>
+              </a:ext>
+            </a:extLst>
+          </p:cNvPr>
+          <p:cNvSpPr>
+            <a:spLocks noGrp="1"/>
+          </p:cNvSpPr>
+          <p:nvPr>
+            <p:ph type="title"/>
+          </p:nvPr>
+        </p:nvSpPr>
+        <p:spPr/>
+        <p:txBody>
+          <a:bodyPr/>
+          <a:lstStyle/>
+          <a:p>
+            <a:r>
+              <a:rPr lang="en-US" dirty="0"/>
+              <a:t>Most repeated words(Negative vs Positive)</a:t>
+            </a:r>
+          </a:p>
+        </p:txBody>
+      </p:sp>
+      <p:pic>
+        <p:nvPicPr>
+          <p:cNvPr id="5" name="Content Placeholder 4">
+            <a:extLst>
+              <a:ext uri="{FF2B5EF4-FFF2-40B4-BE49-F238E27FC236}">
+                <a16:creationId xmlns:a16="http://schemas.microsoft.com/office/drawing/2014/main" id="{1E0166DF-8F4C-94A9-9395-41860BB9FF19}"/>
+              </a:ext>
+            </a:extLst>
+          </p:cNvPr>
+          <p:cNvPicPr>
+            <a:picLocks noGrp="1" noChangeAspect="1"/>
+          </p:cNvPicPr>
+          <p:nvPr>
+            <p:ph idx="1"/>
+          </p:nvPr>
+        </p:nvPicPr>
+        <p:blipFill>
+          <a:blip r:embed="rId2"/>
+          <a:stretch>
+            <a:fillRect/>
+          </a:stretch>
+        </p:blipFill>
+        <p:spPr>
+          <a:xfrm>
+            <a:off x="3584448" y="1807337"/>
+            <a:ext cx="8325778" cy="4351338"/>
+          </a:xfrm>
+        </p:spPr>
+      </p:pic>
+      <p:sp>
+        <p:nvSpPr>
+          <p:cNvPr id="6" name="TextBox 5">
+            <a:extLst>
+              <a:ext uri="{FF2B5EF4-FFF2-40B4-BE49-F238E27FC236}">
+                <a16:creationId xmlns:a16="http://schemas.microsoft.com/office/drawing/2014/main" id="{FC62F09A-F232-2A15-2B65-258C68A05901}"/>
+              </a:ext>
+            </a:extLst>
+          </p:cNvPr>
+          <p:cNvSpPr txBox="1"/>
+          <p:nvPr/>
+        </p:nvSpPr>
+        <p:spPr>
+          <a:xfrm>
+            <a:off x="838200" y="1956816"/>
+            <a:ext cx="2746248" cy="1200329"/>
+          </a:xfrm>
+          <a:prstGeom prst="rect">
+            <a:avLst/>
+          </a:prstGeom>
+          <a:noFill/>
+        </p:spPr>
+        <p:txBody>
+          <a:bodyPr wrap="square" rtlCol="0">
+            <a:spAutoFit/>
+          </a:bodyPr>
+          <a:lstStyle/>
+          <a:p>
+            <a:r>
+              <a:rPr lang="en-US" dirty="0"/>
+              <a:t>Shows frequency of tops 5 words for positive and negative comments (unweighted)</a:t>
+            </a:r>
+          </a:p>
+        </p:txBody>
+      </p:sp>
+    </p:spTree>
+    <p:extLst>
+      <p:ext uri="{BB962C8B-B14F-4D97-AF65-F5344CB8AC3E}">
+        <p14:creationId xmlns:p14="http://schemas.microsoft.com/office/powerpoint/2010/main" val="3394025548"/>
+      </p:ext>
+    </p:extLst>
+  </p:cSld>
+  <p:clrMapOvr>
+    <a:masterClrMapping/>
+  </p:clrMapOvr>
+</p:sld>
+</file>
+
+<file path=ppt/slides/slide7.xml><?xml version="1.0" encoding="utf-8"?>
+<p:sld xmlns:a="http://schemas.openxmlformats.org/drawingml/2006/main" xmlns:r="http://schemas.openxmlformats.org/officeDocument/2006/relationships" xmlns:p="http://schemas.openxmlformats.org/presentationml/2006/main">
+  <p:cSld>
+    <p:spTree>
+      <p:nvGrpSpPr>
+        <p:cNvPr id="1" name=""/>
+        <p:cNvGrpSpPr/>
+        <p:nvPr/>
+      </p:nvGrpSpPr>
+      <p:grpSpPr>
+        <a:xfrm>
+          <a:off x="0" y="0"/>
+          <a:ext cx="0" cy="0"/>
+          <a:chOff x="0" y="0"/>
+          <a:chExt cx="0" cy="0"/>
+        </a:xfrm>
+      </p:grpSpPr>
+      <p:sp>
+        <p:nvSpPr>
+          <p:cNvPr id="2" name="Title 1">
+            <a:extLst>
+              <a:ext uri="{FF2B5EF4-FFF2-40B4-BE49-F238E27FC236}">
+                <a16:creationId xmlns:a16="http://schemas.microsoft.com/office/drawing/2014/main" id="{DC0BC3DF-30A1-4DBD-58BC-CB10B350CA1B}"/>
+              </a:ext>
+            </a:extLst>
+          </p:cNvPr>
+          <p:cNvSpPr>
+            <a:spLocks noGrp="1"/>
+          </p:cNvSpPr>
+          <p:nvPr>
+            <p:ph type="title"/>
+          </p:nvPr>
+        </p:nvSpPr>
+        <p:spPr/>
+        <p:txBody>
+          <a:bodyPr/>
+          <a:lstStyle/>
+          <a:p>
+            <a:r>
+              <a:rPr lang="en-US" dirty="0"/>
+              <a:t>Most repeated words (Weighted)</a:t>
+            </a:r>
+          </a:p>
+        </p:txBody>
+      </p:sp>
+      <p:pic>
+        <p:nvPicPr>
+          <p:cNvPr id="5" name="Content Placeholder 4">
+            <a:extLst>
+              <a:ext uri="{FF2B5EF4-FFF2-40B4-BE49-F238E27FC236}">
+                <a16:creationId xmlns:a16="http://schemas.microsoft.com/office/drawing/2014/main" id="{55679242-DC31-5FAF-BDBA-F87FA9FCC815}"/>
+              </a:ext>
+            </a:extLst>
+          </p:cNvPr>
+          <p:cNvPicPr>
+            <a:picLocks noGrp="1" noChangeAspect="1"/>
+          </p:cNvPicPr>
+          <p:nvPr>
+            <p:ph idx="1"/>
+          </p:nvPr>
+        </p:nvPicPr>
+        <p:blipFill>
+          <a:blip r:embed="rId2"/>
+          <a:stretch>
+            <a:fillRect/>
+          </a:stretch>
+        </p:blipFill>
+        <p:spPr>
+          <a:xfrm>
+            <a:off x="6096000" y="2289976"/>
+            <a:ext cx="5482573" cy="3018885"/>
+          </a:xfrm>
+        </p:spPr>
+      </p:pic>
+      <p:pic>
+        <p:nvPicPr>
+          <p:cNvPr id="7" name="Picture 6">
+            <a:extLst>
+              <a:ext uri="{FF2B5EF4-FFF2-40B4-BE49-F238E27FC236}">
+                <a16:creationId xmlns:a16="http://schemas.microsoft.com/office/drawing/2014/main" id="{59F6C4DD-630C-26B5-2457-0813551F2CC9}"/>
+              </a:ext>
+            </a:extLst>
+          </p:cNvPr>
+          <p:cNvPicPr>
+            <a:picLocks noChangeAspect="1"/>
+          </p:cNvPicPr>
+          <p:nvPr/>
+        </p:nvPicPr>
+        <p:blipFill>
+          <a:blip r:embed="rId3"/>
+          <a:stretch>
+            <a:fillRect/>
+          </a:stretch>
+        </p:blipFill>
+        <p:spPr>
+          <a:xfrm>
+            <a:off x="1076960" y="3799419"/>
+            <a:ext cx="4809856" cy="2648466"/>
+          </a:xfrm>
+          <a:prstGeom prst="rect">
+            <a:avLst/>
+          </a:prstGeom>
+        </p:spPr>
+      </p:pic>
+      <p:pic>
+        <p:nvPicPr>
+          <p:cNvPr id="9" name="Picture 8">
+            <a:extLst>
+              <a:ext uri="{FF2B5EF4-FFF2-40B4-BE49-F238E27FC236}">
+                <a16:creationId xmlns:a16="http://schemas.microsoft.com/office/drawing/2014/main" id="{7E977D8F-7BDC-1EF0-FE7B-57585D0EAE01}"/>
+              </a:ext>
+            </a:extLst>
+          </p:cNvPr>
+          <p:cNvPicPr>
+            <a:picLocks noChangeAspect="1"/>
+          </p:cNvPicPr>
+          <p:nvPr/>
+        </p:nvPicPr>
+        <p:blipFill>
+          <a:blip r:embed="rId4"/>
+          <a:stretch>
+            <a:fillRect/>
+          </a:stretch>
+        </p:blipFill>
+        <p:spPr>
+          <a:xfrm>
+            <a:off x="1076960" y="1401797"/>
+            <a:ext cx="4809856" cy="2316095"/>
+          </a:xfrm>
+          <a:prstGeom prst="rect">
+            <a:avLst/>
+          </a:prstGeom>
+        </p:spPr>
+      </p:pic>
+    </p:spTree>
+    <p:extLst>
+      <p:ext uri="{BB962C8B-B14F-4D97-AF65-F5344CB8AC3E}">
+        <p14:creationId xmlns:p14="http://schemas.microsoft.com/office/powerpoint/2010/main" val="1542055049"/>
+      </p:ext>
+    </p:extLst>
+  </p:cSld>
+  <p:clrMapOvr>
+    <a:masterClrMapping/>
+  </p:clrMapOvr>
+</p:sld>
+</file>
+
+<file path=ppt/slides/slide8.xml><?xml version="1.0" encoding="utf-8"?>
+<p:sld xmlns:a="http://schemas.openxmlformats.org/drawingml/2006/main" xmlns:r="http://schemas.openxmlformats.org/officeDocument/2006/relationships" xmlns:p="http://schemas.openxmlformats.org/presentationml/2006/main">
+  <p:cSld>
+    <p:spTree>
+      <p:nvGrpSpPr>
+        <p:cNvPr id="1" name=""/>
+        <p:cNvGrpSpPr/>
+        <p:nvPr/>
+      </p:nvGrpSpPr>
+      <p:grpSpPr>
+        <a:xfrm>
+          <a:off x="0" y="0"/>
+          <a:ext cx="0" cy="0"/>
+          <a:chOff x="0" y="0"/>
+          <a:chExt cx="0" cy="0"/>
+        </a:xfrm>
+      </p:grpSpPr>
+      <p:sp>
+        <p:nvSpPr>
+          <p:cNvPr id="2" name="Title 1">
+            <a:extLst>
+              <a:ext uri="{FF2B5EF4-FFF2-40B4-BE49-F238E27FC236}">
+                <a16:creationId xmlns:a16="http://schemas.microsoft.com/office/drawing/2014/main" id="{6241B85D-CEB1-D622-F910-3ACF1AD7966D}"/>
+              </a:ext>
+            </a:extLst>
+          </p:cNvPr>
+          <p:cNvSpPr>
+            <a:spLocks noGrp="1"/>
+          </p:cNvSpPr>
+          <p:nvPr>
+            <p:ph type="title"/>
+          </p:nvPr>
+        </p:nvSpPr>
+        <p:spPr/>
+        <p:txBody>
+          <a:bodyPr/>
+          <a:lstStyle/>
+          <a:p>
+            <a:r>
+              <a:rPr lang="en-US" dirty="0"/>
+              <a:t>Most interesting part of the code</a:t>
+            </a:r>
+          </a:p>
+        </p:txBody>
+      </p:sp>
+      <p:pic>
+        <p:nvPicPr>
+          <p:cNvPr id="5" name="Content Placeholder 4">
+            <a:extLst>
+              <a:ext uri="{FF2B5EF4-FFF2-40B4-BE49-F238E27FC236}">
+                <a16:creationId xmlns:a16="http://schemas.microsoft.com/office/drawing/2014/main" id="{4A28AF57-C972-553F-0CB7-BD1B361FDD84}"/>
+              </a:ext>
+            </a:extLst>
+          </p:cNvPr>
+          <p:cNvPicPr>
+            <a:picLocks noGrp="1" noChangeAspect="1"/>
+          </p:cNvPicPr>
+          <p:nvPr>
+            <p:ph idx="1"/>
+          </p:nvPr>
+        </p:nvPicPr>
+        <p:blipFill>
+          <a:blip r:embed="rId2"/>
+          <a:stretch>
+            <a:fillRect/>
+          </a:stretch>
+        </p:blipFill>
+        <p:spPr>
+          <a:xfrm>
+            <a:off x="1258000" y="1825625"/>
+            <a:ext cx="9676000" cy="4351338"/>
+          </a:xfrm>
+        </p:spPr>
+      </p:pic>
+    </p:spTree>
+    <p:extLst>
+      <p:ext uri="{BB962C8B-B14F-4D97-AF65-F5344CB8AC3E}">
+        <p14:creationId xmlns:p14="http://schemas.microsoft.com/office/powerpoint/2010/main" val="127597689"/>
+      </p:ext>
+    </p:extLst>
+  </p:cSld>
+  <p:clrMapOvr>
+    <a:masterClrMapping/>
+  </p:clrMapOvr>
+</p:sld>
+</file>
+
+<file path=ppt/slides/slide9.xml><?xml version="1.0" encoding="utf-8"?>
+<p:sld xmlns:a="http://schemas.openxmlformats.org/drawingml/2006/main" xmlns:r="http://schemas.openxmlformats.org/officeDocument/2006/relationships" xmlns:p="http://schemas.openxmlformats.org/presentationml/2006/main">
+  <p:cSld>
+    <p:spTree>
+      <p:nvGrpSpPr>
+        <p:cNvPr id="1" name=""/>
+        <p:cNvGrpSpPr/>
+        <p:nvPr/>
+      </p:nvGrpSpPr>
+      <p:grpSpPr>
+        <a:xfrm>
+          <a:off x="0" y="0"/>
+          <a:ext cx="0" cy="0"/>
+          <a:chOff x="0" y="0"/>
+          <a:chExt cx="0" cy="0"/>
+        </a:xfrm>
+      </p:grpSpPr>
+      <p:sp>
+        <p:nvSpPr>
+          <p:cNvPr id="2" name="Title 1">
+            <a:extLst>
+              <a:ext uri="{FF2B5EF4-FFF2-40B4-BE49-F238E27FC236}">
+                <a16:creationId xmlns:a16="http://schemas.microsoft.com/office/drawing/2014/main" id="{9829B3BD-0328-4286-01B3-9178A2089781}"/>
+              </a:ext>
+            </a:extLst>
+          </p:cNvPr>
+          <p:cNvSpPr>
+            <a:spLocks noGrp="1"/>
+          </p:cNvSpPr>
+          <p:nvPr>
+            <p:ph type="title"/>
+          </p:nvPr>
+        </p:nvSpPr>
+        <p:spPr/>
+        <p:txBody>
+          <a:bodyPr/>
+          <a:lstStyle/>
+          <a:p>
+            <a:r>
+              <a:rPr lang="en-US" dirty="0"/>
+              <a:t>Biggest Challenges Faced</a:t>
+            </a:r>
+          </a:p>
+        </p:txBody>
+      </p:sp>
+      <p:sp>
+        <p:nvSpPr>
+          <p:cNvPr id="3" name="Content Placeholder 2">
+            <a:extLst>
+              <a:ext uri="{FF2B5EF4-FFF2-40B4-BE49-F238E27FC236}">
+                <a16:creationId xmlns:a16="http://schemas.microsoft.com/office/drawing/2014/main" id="{8D2E8AC8-0E33-3017-1EEB-E332831A3DB3}"/>
+              </a:ext>
+            </a:extLst>
+          </p:cNvPr>
+          <p:cNvSpPr>
+            <a:spLocks noGrp="1"/>
+          </p:cNvSpPr>
+          <p:nvPr>
+            <p:ph idx="1"/>
+          </p:nvPr>
+        </p:nvSpPr>
+        <p:spPr/>
+        <p:txBody>
+          <a:bodyPr/>
+          <a:lstStyle/>
+          <a:p>
+            <a:endParaRPr lang="en-US" dirty="0"/>
+          </a:p>
+          <a:p>
+            <a:r>
+              <a:rPr lang="en-US" dirty="0"/>
+              <a:t>Finding the feature engineering required for the solving research.</a:t>
+            </a:r>
+          </a:p>
+          <a:p>
+            <a:endParaRPr lang="en-US" dirty="0"/>
+          </a:p>
+          <a:p>
+            <a:r>
+              <a:rPr lang="en-US" dirty="0"/>
+              <a:t>Management of the data to make sure no errors in the input can mess with my model.</a:t>
+            </a:r>
+          </a:p>
+          <a:p>
+            <a:endParaRPr lang="en-US" dirty="0"/>
+          </a:p>
+          <a:p>
+            <a:r>
+              <a:rPr lang="en-US" dirty="0"/>
+              <a:t>Finding the best model to </a:t>
+            </a:r>
+            <a:r>
+              <a:rPr lang="en-US"/>
+              <a:t>use for our ML Model</a:t>
+            </a:r>
+            <a:endParaRPr lang="en-US" dirty="0"/>
+          </a:p>
+        </p:txBody>
+      </p:sp>
+    </p:spTree>
+    <p:extLst>
+      <p:ext uri="{BB962C8B-B14F-4D97-AF65-F5344CB8AC3E}">
+        <p14:creationId xmlns:p14="http://schemas.microsoft.com/office/powerpoint/2010/main" val="2735625717"/>
+      </p:ext>
+    </p:extLst>
+  </p:cSld>
+  <p:clrMapOvr>
+    <a:masterClrMapping/>
+  </p:clrMapOvr>
 </p:sld>
 </file>
 
